--- a/report/EREV_모델링_자료.pptx.pptx
+++ b/report/EREV_모델링_자료.pptx.pptx
@@ -25241,8 +25241,8 @@
         </p:nvSpPr>
         <p:spPr>
           <a:xfrm>
-            <a:off x="978007" y="1799547"/>
-            <a:ext cx="4931229" cy="3258905"/>
+            <a:off x="1056703" y="1477428"/>
+            <a:ext cx="4931229" cy="4089902"/>
           </a:xfrm>
           <a:prstGeom prst="rect">
             <a:avLst/>
@@ -25330,6 +25330,22 @@
             <a:r>
               <a:rPr lang="ko-KR" altLang="en-US" b="1" dirty="0"/>
               <a:t> 제어 로직</a:t>
+            </a:r>
+            <a:endParaRPr lang="en-US" altLang="ko-KR" b="1" dirty="0"/>
+          </a:p>
+          <a:p>
+            <a:pPr>
+              <a:lnSpc>
+                <a:spcPct val="300000"/>
+              </a:lnSpc>
+            </a:pPr>
+            <a:r>
+              <a:rPr lang="en-US" altLang="ko-KR" b="1" dirty="0"/>
+              <a:t>5. </a:t>
+            </a:r>
+            <a:r>
+              <a:rPr lang="ko-KR" altLang="en-US" b="1" dirty="0"/>
+              <a:t>시뮬레이션 및 결과</a:t>
             </a:r>
             <a:endParaRPr lang="en-US" altLang="ko-KR" b="1" dirty="0"/>
           </a:p>
